--- a/public/files/Presentation.pptx
+++ b/public/files/Presentation.pptx
@@ -226,7 +226,7 @@
           <a:p>
             <a:fld id="{CAB347C1-6077-46F8-81B7-62214008D1B3}" type="datetimeFigureOut">
               <a:rPr lang="en-US" smtClean="0"/>
-              <a:t>4/8/2025</a:t>
+              <a:t>4/10/2025</a:t>
             </a:fld>
             <a:endParaRPr lang="en-US" dirty="0"/>
           </a:p>
@@ -403,7 +403,7 @@
           <a:p>
             <a:fld id="{62F8ABDA-1FDD-4165-B5CD-F0088F180AA7}" type="datetimeFigureOut">
               <a:rPr lang="en-US" smtClean="0"/>
-              <a:t>4/8/2025</a:t>
+              <a:t>4/10/2025</a:t>
             </a:fld>
             <a:endParaRPr lang="en-US" dirty="0"/>
           </a:p>
@@ -3768,7 +3768,7 @@
           <a:p>
             <a:fld id="{443A4D85-9B6F-4518-BC3D-AE50364A7972}" type="datetimeFigureOut">
               <a:rPr lang="en-US" smtClean="0"/>
-              <a:t>4/8/2025</a:t>
+              <a:t>4/10/2025</a:t>
             </a:fld>
             <a:endParaRPr lang="en-US" dirty="0"/>
           </a:p>
@@ -4196,8 +4196,8 @@
         </p:nvSpPr>
         <p:spPr>
           <a:xfrm>
-            <a:off x="2194560" y="2426946"/>
-            <a:ext cx="5669280" cy="895215"/>
+            <a:off x="2194559" y="2126274"/>
+            <a:ext cx="5669280" cy="1256571"/>
           </a:xfrm>
         </p:spPr>
         <p:txBody>
@@ -4207,13 +4207,13 @@
           <a:lstStyle/>
           <a:p>
             <a:r>
-              <a:rPr lang="en-US">
+              <a:rPr lang="en-US" sz="3200" dirty="0">
                 <a:ea typeface="Ebrima"/>
                 <a:cs typeface="Ebrima"/>
               </a:rPr>
               <a:t>{{name}}</a:t>
             </a:r>
-            <a:endParaRPr lang="en-US" dirty="0"/>
+            <a:endParaRPr lang="en-US" sz="3200" dirty="0"/>
           </a:p>
         </p:txBody>
       </p:sp>
@@ -4236,28 +4236,28 @@
         <p:spPr/>
         <p:txBody>
           <a:bodyPr>
-            <a:normAutofit lnSpcReduction="10000"/>
+            <a:normAutofit/>
           </a:bodyPr>
           <a:lstStyle/>
           <a:p>
             <a:r>
-              <a:rPr lang="en-US" dirty="0">
+              <a:rPr lang="en-US" sz="2000" dirty="0">
                 <a:ea typeface="Ebrima"/>
                 <a:cs typeface="Ebrima"/>
               </a:rPr>
               <a:t>Certificate</a:t>
             </a:r>
             <a:br>
-              <a:rPr lang="en-US" dirty="0"/>
+              <a:rPr lang="en-US" sz="2000" dirty="0"/>
             </a:br>
             <a:r>
-              <a:rPr lang="en-US" dirty="0">
+              <a:rPr lang="en-US" sz="2000" dirty="0">
                 <a:ea typeface="Ebrima"/>
                 <a:cs typeface="Ebrima"/>
               </a:rPr>
               <a:t>of appreciation</a:t>
             </a:r>
-            <a:endParaRPr lang="en-US" dirty="0"/>
+            <a:endParaRPr lang="en-US" sz="2000" dirty="0"/>
           </a:p>
         </p:txBody>
       </p:sp>
@@ -4277,7 +4277,12 @@
             <p:ph type="body" sz="quarter" idx="12"/>
           </p:nvPr>
         </p:nvSpPr>
-        <p:spPr/>
+        <p:spPr>
+          <a:xfrm>
+            <a:off x="2283295" y="1815378"/>
+            <a:ext cx="5408023" cy="310896"/>
+          </a:xfrm>
+        </p:spPr>
         <p:txBody>
           <a:bodyPr vert="horz" wrap="square" lIns="91440" tIns="45720" rIns="91440" bIns="45720" rtlCol="0" anchor="t">
             <a:noAutofit/>
@@ -4285,7 +4290,7 @@
           <a:lstStyle/>
           <a:p>
             <a:r>
-              <a:rPr lang="en-US" dirty="0">
+              <a:rPr lang="en-US" sz="1800" b="1" dirty="0">
                 <a:solidFill>
                   <a:schemeClr val="tx1">
                     <a:lumMod val="85000"/>
@@ -5732,6 +5737,36 @@
           <a:xfrm>
             <a:off x="6541811" y="5524501"/>
             <a:ext cx="2194560" cy="675934"/>
+          </a:xfrm>
+          <a:prstGeom prst="rect">
+            <a:avLst/>
+          </a:prstGeom>
+        </p:spPr>
+      </p:pic>
+      <p:pic>
+        <p:nvPicPr>
+          <p:cNvPr id="12" name="Picture 11">
+            <a:extLst>
+              <a:ext uri="{FF2B5EF4-FFF2-40B4-BE49-F238E27FC236}">
+                <a16:creationId xmlns:a16="http://schemas.microsoft.com/office/drawing/2014/main" id="{6264E3C3-9100-C946-D071-4459FC1FC1C6}"/>
+              </a:ext>
+            </a:extLst>
+          </p:cNvPr>
+          <p:cNvPicPr>
+            <a:picLocks noChangeAspect="1"/>
+          </p:cNvPicPr>
+          <p:nvPr/>
+        </p:nvPicPr>
+        <p:blipFill>
+          <a:blip r:embed="rId7"/>
+          <a:stretch>
+            <a:fillRect/>
+          </a:stretch>
+        </p:blipFill>
+        <p:spPr>
+          <a:xfrm>
+            <a:off x="292309" y="260306"/>
+            <a:ext cx="2074773" cy="2074773"/>
           </a:xfrm>
           <a:prstGeom prst="rect">
             <a:avLst/>
@@ -6543,15 +6578,6 @@
 </file>
 
 <file path=customXml/item1.xml><?xml version="1.0" encoding="utf-8"?>
-<?mso-contentType ?>
-<FormTemplates xmlns="http://schemas.microsoft.com/sharepoint/v3/contenttype/forms">
-  <Display>DocumentLibraryForm</Display>
-  <Edit>DocumentLibraryForm</Edit>
-  <New>DocumentLibraryForm</New>
-</FormTemplates>
-</file>
-
-<file path=customXml/item2.xml><?xml version="1.0" encoding="utf-8"?>
 <p:properties xmlns:p="http://schemas.microsoft.com/office/2006/metadata/properties" xmlns:xsi="http://www.w3.org/2001/XMLSchema-instance" xmlns:pc="http://schemas.microsoft.com/office/infopath/2007/PartnerControls">
   <documentManagement>
     <_ip_UnifiedCompliancePolicyUIAction xmlns="http://schemas.microsoft.com/sharepoint/v3" xsi:nil="true"/>
@@ -6569,6 +6595,15 @@
     <MediaServiceKeyPoints xmlns="71af3243-3dd4-4a8d-8c0d-dd76da1f02a5" xsi:nil="true"/>
   </documentManagement>
 </p:properties>
+</file>
+
+<file path=customXml/item2.xml><?xml version="1.0" encoding="utf-8"?>
+<?mso-contentType ?>
+<FormTemplates xmlns="http://schemas.microsoft.com/sharepoint/v3/contenttype/forms">
+  <Display>DocumentLibraryForm</Display>
+  <Edit>DocumentLibraryForm</Edit>
+  <New>DocumentLibraryForm</New>
+</FormTemplates>
 </file>
 
 <file path=customXml/item3.xml><?xml version="1.0" encoding="utf-8"?>
@@ -6860,14 +6895,6 @@
 </file>
 
 <file path=customXml/itemProps1.xml><?xml version="1.0" encoding="utf-8"?>
-<ds:datastoreItem xmlns:ds="http://schemas.openxmlformats.org/officeDocument/2006/customXml" ds:itemID="{6CD749F7-44BB-4371-899D-B6FC8C7837A8}">
-  <ds:schemaRefs>
-    <ds:schemaRef ds:uri="http://schemas.microsoft.com/sharepoint/v3/contenttype/forms"/>
-  </ds:schemaRefs>
-</ds:datastoreItem>
-</file>
-
-<file path=customXml/itemProps2.xml><?xml version="1.0" encoding="utf-8"?>
 <ds:datastoreItem xmlns:ds="http://schemas.openxmlformats.org/officeDocument/2006/customXml" ds:itemID="{6CEBE2E1-2963-454A-B0AF-FBA65320343B}">
   <ds:schemaRefs>
     <ds:schemaRef ds:uri="http://schemas.microsoft.com/office/2006/metadata/properties"/>
@@ -6875,6 +6902,14 @@
     <ds:schemaRef ds:uri="http://schemas.microsoft.com/sharepoint/v3"/>
     <ds:schemaRef ds:uri="71af3243-3dd4-4a8d-8c0d-dd76da1f02a5"/>
     <ds:schemaRef ds:uri="230e9df3-be65-4c73-a93b-d1236ebd677e"/>
+  </ds:schemaRefs>
+</ds:datastoreItem>
+</file>
+
+<file path=customXml/itemProps2.xml><?xml version="1.0" encoding="utf-8"?>
+<ds:datastoreItem xmlns:ds="http://schemas.openxmlformats.org/officeDocument/2006/customXml" ds:itemID="{6CD749F7-44BB-4371-899D-B6FC8C7837A8}">
+  <ds:schemaRefs>
+    <ds:schemaRef ds:uri="http://schemas.microsoft.com/sharepoint/v3/contenttype/forms"/>
   </ds:schemaRefs>
 </ds:datastoreItem>
 </file>
